--- a/oran/O-RAN 20230403-20230407.pptx
+++ b/oran/O-RAN 20230403-20230407.pptx
@@ -9209,8 +9209,13 @@
             </a:r>
             <a:r>
               <a:rPr lang="en-US" dirty="0"/>
-              <a:t> is enabled</a:t>
-            </a:r>
+              <a:t> is enabled </a:t>
+            </a:r>
+            <a:r>
+              <a:rPr lang="en-US"/>
+              <a:t>on initialize() function</a:t>
+            </a:r>
+            <a:endParaRPr lang="en-US" dirty="0"/>
           </a:p>
           <a:p>
             <a:r>
@@ -10830,6 +10835,32 @@
                 </a:solidFill>
               </a:rPr>
               <a:t>Implement logging to ensure the applied right compression</a:t>
+            </a:r>
+          </a:p>
+          <a:p>
+            <a:r>
+              <a:rPr lang="en-US" dirty="0">
+                <a:solidFill>
+                  <a:srgbClr val="0432FF"/>
+                </a:solidFill>
+              </a:rPr>
+              <a:t>Because of the </a:t>
+            </a:r>
+            <a:r>
+              <a:rPr lang="en-US" dirty="0" err="1">
+                <a:solidFill>
+                  <a:srgbClr val="0432FF"/>
+                </a:solidFill>
+              </a:rPr>
+              <a:t>hydroserver</a:t>
+            </a:r>
+            <a:r>
+              <a:rPr lang="en-US" dirty="0">
+                <a:solidFill>
+                  <a:srgbClr val="0432FF"/>
+                </a:solidFill>
+              </a:rPr>
+              <a:t> issue, maybe require to setup Low GloSea6 on another server.</a:t>
             </a:r>
           </a:p>
         </p:txBody>

--- a/oran/O-RAN 20230403-20230407.pptx
+++ b/oran/O-RAN 20230403-20230407.pptx
@@ -233,7 +233,7 @@
           <a:p>
             <a:fld id="{74476D26-8C30-2E4B-A173-C50811188F72}" type="datetimeFigureOut">
               <a:rPr lang="en-US" smtClean="0"/>
-              <a:t>4/12/23</a:t>
+              <a:t>4/14/23</a:t>
             </a:fld>
             <a:endParaRPr lang="en-US"/>
           </a:p>
@@ -2123,7 +2123,7 @@
           <a:p>
             <a:fld id="{30263952-EF9F-574F-8E67-8B7132D3334C}" type="datetimeFigureOut">
               <a:rPr lang="x-none" smtClean="0"/>
-              <a:t>4/12/23</a:t>
+              <a:t>4/14/23</a:t>
             </a:fld>
             <a:endParaRPr lang="x-none"/>
           </a:p>
@@ -2288,7 +2288,7 @@
           <a:p>
             <a:fld id="{30263952-EF9F-574F-8E67-8B7132D3334C}" type="datetimeFigureOut">
               <a:rPr lang="x-none" smtClean="0"/>
-              <a:t>4/12/23</a:t>
+              <a:t>4/14/23</a:t>
             </a:fld>
             <a:endParaRPr lang="x-none"/>
           </a:p>
@@ -2463,7 +2463,7 @@
           <a:p>
             <a:fld id="{30263952-EF9F-574F-8E67-8B7132D3334C}" type="datetimeFigureOut">
               <a:rPr lang="x-none" smtClean="0"/>
-              <a:t>4/12/23</a:t>
+              <a:t>4/14/23</a:t>
             </a:fld>
             <a:endParaRPr lang="x-none"/>
           </a:p>
@@ -2628,7 +2628,7 @@
           <a:p>
             <a:fld id="{30263952-EF9F-574F-8E67-8B7132D3334C}" type="datetimeFigureOut">
               <a:rPr lang="x-none" smtClean="0"/>
-              <a:t>4/12/23</a:t>
+              <a:t>4/14/23</a:t>
             </a:fld>
             <a:endParaRPr lang="x-none"/>
           </a:p>
@@ -2867,7 +2867,7 @@
           <a:p>
             <a:fld id="{30263952-EF9F-574F-8E67-8B7132D3334C}" type="datetimeFigureOut">
               <a:rPr lang="x-none" smtClean="0"/>
-              <a:t>4/12/23</a:t>
+              <a:t>4/14/23</a:t>
             </a:fld>
             <a:endParaRPr lang="x-none"/>
           </a:p>
@@ -3094,7 +3094,7 @@
           <a:p>
             <a:fld id="{30263952-EF9F-574F-8E67-8B7132D3334C}" type="datetimeFigureOut">
               <a:rPr lang="x-none" smtClean="0"/>
-              <a:t>4/12/23</a:t>
+              <a:t>4/14/23</a:t>
             </a:fld>
             <a:endParaRPr lang="x-none"/>
           </a:p>
@@ -3456,7 +3456,7 @@
           <a:p>
             <a:fld id="{30263952-EF9F-574F-8E67-8B7132D3334C}" type="datetimeFigureOut">
               <a:rPr lang="x-none" smtClean="0"/>
-              <a:t>4/12/23</a:t>
+              <a:t>4/14/23</a:t>
             </a:fld>
             <a:endParaRPr lang="x-none"/>
           </a:p>
@@ -3569,7 +3569,7 @@
           <a:p>
             <a:fld id="{30263952-EF9F-574F-8E67-8B7132D3334C}" type="datetimeFigureOut">
               <a:rPr lang="x-none" smtClean="0"/>
-              <a:t>4/12/23</a:t>
+              <a:t>4/14/23</a:t>
             </a:fld>
             <a:endParaRPr lang="x-none"/>
           </a:p>
@@ -3659,7 +3659,7 @@
           <a:p>
             <a:fld id="{30263952-EF9F-574F-8E67-8B7132D3334C}" type="datetimeFigureOut">
               <a:rPr lang="x-none" smtClean="0"/>
-              <a:t>4/12/23</a:t>
+              <a:t>4/14/23</a:t>
             </a:fld>
             <a:endParaRPr lang="x-none"/>
           </a:p>
@@ -3931,7 +3931,7 @@
           <a:p>
             <a:fld id="{30263952-EF9F-574F-8E67-8B7132D3334C}" type="datetimeFigureOut">
               <a:rPr lang="x-none" smtClean="0"/>
-              <a:t>4/12/23</a:t>
+              <a:t>4/14/23</a:t>
             </a:fld>
             <a:endParaRPr lang="x-none"/>
           </a:p>
@@ -4183,7 +4183,7 @@
           <a:p>
             <a:fld id="{30263952-EF9F-574F-8E67-8B7132D3334C}" type="datetimeFigureOut">
               <a:rPr lang="x-none" smtClean="0"/>
-              <a:t>4/12/23</a:t>
+              <a:t>4/14/23</a:t>
             </a:fld>
             <a:endParaRPr lang="x-none"/>
           </a:p>
@@ -4391,7 +4391,7 @@
           <a:p>
             <a:fld id="{30263952-EF9F-574F-8E67-8B7132D3334C}" type="datetimeFigureOut">
               <a:rPr lang="x-none" smtClean="0"/>
-              <a:t>4/12/23</a:t>
+              <a:t>4/14/23</a:t>
             </a:fld>
             <a:endParaRPr lang="x-none"/>
           </a:p>
@@ -10834,33 +10834,7 @@
                   <a:srgbClr val="0432FF"/>
                 </a:solidFill>
               </a:rPr>
-              <a:t>Implement logging to ensure the applied right compression</a:t>
-            </a:r>
-          </a:p>
-          <a:p>
-            <a:r>
-              <a:rPr lang="en-US" dirty="0">
-                <a:solidFill>
-                  <a:srgbClr val="0432FF"/>
-                </a:solidFill>
-              </a:rPr>
-              <a:t>Because of the </a:t>
-            </a:r>
-            <a:r>
-              <a:rPr lang="en-US" dirty="0" err="1">
-                <a:solidFill>
-                  <a:srgbClr val="0432FF"/>
-                </a:solidFill>
-              </a:rPr>
-              <a:t>hydroserver</a:t>
-            </a:r>
-            <a:r>
-              <a:rPr lang="en-US" dirty="0">
-                <a:solidFill>
-                  <a:srgbClr val="0432FF"/>
-                </a:solidFill>
-              </a:rPr>
-              <a:t> issue, maybe require to setup Low GloSea6 on another server.</a:t>
+              <a:t>Implement logging to ensure the applied right compression.</a:t>
             </a:r>
           </a:p>
         </p:txBody>

--- a/oran/O-RAN 20230403-20230407.pptx
+++ b/oran/O-RAN 20230403-20230407.pptx
@@ -11400,7 +11400,7 @@
           <a:p>
             <a:r>
               <a:rPr lang="en-US" dirty="0"/>
-              <a:t>Resource utilization for </a:t>
+              <a:t>Resource utilization metrics for </a:t>
             </a:r>
             <a:r>
               <a:rPr lang="en-US" dirty="0" err="1"/>
@@ -12103,7 +12103,7 @@
           <a:p>
             <a:r>
               <a:rPr lang="en-US" dirty="0"/>
-              <a:t>Performance metrics </a:t>
+              <a:t>Other Performance metrics </a:t>
             </a:r>
           </a:p>
           <a:p>
@@ -12111,13 +12111,6 @@
             <a:r>
               <a:rPr lang="en-US" dirty="0"/>
               <a:t>Scalability</a:t>
-            </a:r>
-          </a:p>
-          <a:p>
-            <a:pPr lvl="1"/>
-            <a:r>
-              <a:rPr lang="en-US" dirty="0"/>
-              <a:t>Resource utilization</a:t>
             </a:r>
           </a:p>
           <a:p>
